--- a/Lecture/Modeling 6/Modeling_6_Lecture.pptx
+++ b/Lecture/Modeling 6/Modeling_6_Lecture.pptx
@@ -317,7 +317,7 @@
               <a:pPr>
                 <a:defRPr/>
               </a:pPr>
-              <a:t>11/12/2018</a:t>
+              <a:t>3/27/2019</a:t>
             </a:fld>
             <a:endParaRPr lang="en-US" dirty="0"/>
           </a:p>
@@ -529,7 +529,7 @@
               <a:pPr>
                 <a:defRPr/>
               </a:pPr>
-              <a:t>11/12/2018</a:t>
+              <a:t>3/27/2019</a:t>
             </a:fld>
             <a:endParaRPr lang="en-US" dirty="0"/>
           </a:p>
@@ -1048,7 +1048,7 @@
               <a:pPr>
                 <a:defRPr/>
               </a:pPr>
-              <a:t>11/12/2018</a:t>
+              <a:t>3/27/2019</a:t>
             </a:fld>
             <a:endParaRPr lang="en-US" dirty="0"/>
           </a:p>
@@ -1238,7 +1238,7 @@
               <a:pPr>
                 <a:defRPr/>
               </a:pPr>
-              <a:t>11/12/2018</a:t>
+              <a:t>3/27/2019</a:t>
             </a:fld>
             <a:endParaRPr lang="en-US" dirty="0"/>
           </a:p>
@@ -1438,7 +1438,7 @@
               <a:pPr>
                 <a:defRPr/>
               </a:pPr>
-              <a:t>11/12/2018</a:t>
+              <a:t>3/27/2019</a:t>
             </a:fld>
             <a:endParaRPr lang="en-US" dirty="0"/>
           </a:p>
@@ -1706,7 +1706,7 @@
               <a:pPr>
                 <a:defRPr/>
               </a:pPr>
-              <a:t>11/12/2018</a:t>
+              <a:t>3/27/2019</a:t>
             </a:fld>
             <a:endParaRPr lang="en-US" dirty="0">
               <a:solidFill>
@@ -1920,7 +1920,7 @@
               <a:pPr>
                 <a:defRPr/>
               </a:pPr>
-              <a:t>11/12/2018</a:t>
+              <a:t>3/27/2019</a:t>
             </a:fld>
             <a:endParaRPr lang="en-US" dirty="0">
               <a:solidFill>
@@ -2211,7 +2211,7 @@
               <a:pPr>
                 <a:defRPr/>
               </a:pPr>
-              <a:t>11/12/2018</a:t>
+              <a:t>3/27/2019</a:t>
             </a:fld>
             <a:endParaRPr lang="en-US" dirty="0">
               <a:solidFill>
@@ -2542,7 +2542,7 @@
               <a:pPr>
                 <a:defRPr/>
               </a:pPr>
-              <a:t>11/12/2018</a:t>
+              <a:t>3/27/2019</a:t>
             </a:fld>
             <a:endParaRPr lang="en-US" dirty="0">
               <a:solidFill>
@@ -3007,7 +3007,7 @@
               <a:pPr>
                 <a:defRPr/>
               </a:pPr>
-              <a:t>11/12/2018</a:t>
+              <a:t>3/27/2019</a:t>
             </a:fld>
             <a:endParaRPr lang="en-US" dirty="0">
               <a:solidFill>
@@ -3170,7 +3170,7 @@
               <a:pPr>
                 <a:defRPr/>
               </a:pPr>
-              <a:t>11/12/2018</a:t>
+              <a:t>3/27/2019</a:t>
             </a:fld>
             <a:endParaRPr lang="en-US" dirty="0">
               <a:solidFill>
@@ -3311,7 +3311,7 @@
               <a:pPr>
                 <a:defRPr/>
               </a:pPr>
-              <a:t>11/12/2018</a:t>
+              <a:t>3/27/2019</a:t>
             </a:fld>
             <a:endParaRPr lang="en-US" dirty="0">
               <a:solidFill>
@@ -3632,7 +3632,7 @@
               <a:pPr>
                 <a:defRPr/>
               </a:pPr>
-              <a:t>11/12/2018</a:t>
+              <a:t>3/27/2019</a:t>
             </a:fld>
             <a:endParaRPr lang="en-US" dirty="0">
               <a:solidFill>
@@ -3840,7 +3840,7 @@
               <a:pPr>
                 <a:defRPr/>
               </a:pPr>
-              <a:t>11/12/2018</a:t>
+              <a:t>3/27/2019</a:t>
             </a:fld>
             <a:endParaRPr lang="en-US" dirty="0"/>
           </a:p>
@@ -4123,7 +4123,7 @@
               <a:pPr>
                 <a:defRPr/>
               </a:pPr>
-              <a:t>11/12/2018</a:t>
+              <a:t>3/27/2019</a:t>
             </a:fld>
             <a:endParaRPr lang="en-US" dirty="0">
               <a:solidFill>
@@ -4337,7 +4337,7 @@
               <a:pPr>
                 <a:defRPr/>
               </a:pPr>
-              <a:t>11/12/2018</a:t>
+              <a:t>3/27/2019</a:t>
             </a:fld>
             <a:endParaRPr lang="en-US" dirty="0">
               <a:solidFill>
@@ -4561,7 +4561,7 @@
               <a:pPr>
                 <a:defRPr/>
               </a:pPr>
-              <a:t>11/12/2018</a:t>
+              <a:t>3/27/2019</a:t>
             </a:fld>
             <a:endParaRPr lang="en-US" dirty="0">
               <a:solidFill>
@@ -4771,7 +4771,7 @@
               <a:pPr>
                 <a:defRPr/>
               </a:pPr>
-              <a:t>11/12/2018</a:t>
+              <a:t>3/27/2019</a:t>
             </a:fld>
             <a:endParaRPr lang="en-US" dirty="0">
               <a:solidFill>
@@ -5048,7 +5048,7 @@
               <a:pPr>
                 <a:defRPr/>
               </a:pPr>
-              <a:t>11/12/2018</a:t>
+              <a:t>3/27/2019</a:t>
             </a:fld>
             <a:endParaRPr lang="en-US" dirty="0"/>
           </a:p>
@@ -5355,7 +5355,7 @@
               <a:pPr>
                 <a:defRPr/>
               </a:pPr>
-              <a:t>11/12/2018</a:t>
+              <a:t>3/27/2019</a:t>
             </a:fld>
             <a:endParaRPr lang="en-US" dirty="0"/>
           </a:p>
@@ -5796,7 +5796,7 @@
               <a:pPr>
                 <a:defRPr/>
               </a:pPr>
-              <a:t>11/12/2018</a:t>
+              <a:t>3/27/2019</a:t>
             </a:fld>
             <a:endParaRPr lang="en-US" dirty="0"/>
           </a:p>
@@ -5935,7 +5935,7 @@
               <a:pPr>
                 <a:defRPr/>
               </a:pPr>
-              <a:t>11/12/2018</a:t>
+              <a:t>3/27/2019</a:t>
             </a:fld>
             <a:endParaRPr lang="en-US" dirty="0"/>
           </a:p>
@@ -6052,7 +6052,7 @@
               <a:pPr>
                 <a:defRPr/>
               </a:pPr>
-              <a:t>11/12/2018</a:t>
+              <a:t>3/27/2019</a:t>
             </a:fld>
             <a:endParaRPr lang="en-US" dirty="0"/>
           </a:p>
@@ -6349,7 +6349,7 @@
               <a:pPr>
                 <a:defRPr/>
               </a:pPr>
-              <a:t>11/12/2018</a:t>
+              <a:t>3/27/2019</a:t>
             </a:fld>
             <a:endParaRPr lang="en-US" dirty="0"/>
           </a:p>
@@ -6626,7 +6626,7 @@
               <a:pPr>
                 <a:defRPr/>
               </a:pPr>
-              <a:t>11/12/2018</a:t>
+              <a:t>3/27/2019</a:t>
             </a:fld>
             <a:endParaRPr lang="en-US" dirty="0"/>
           </a:p>
@@ -6883,7 +6883,7 @@
               <a:pPr>
                 <a:defRPr/>
               </a:pPr>
-              <a:t>11/12/2018</a:t>
+              <a:t>3/27/2019</a:t>
             </a:fld>
             <a:endParaRPr lang="en-US" dirty="0"/>
           </a:p>
@@ -7593,7 +7593,7 @@
               <a:pPr>
                 <a:defRPr/>
               </a:pPr>
-              <a:t>11/12/2018</a:t>
+              <a:t>3/27/2019</a:t>
             </a:fld>
             <a:endParaRPr lang="en-US" dirty="0">
               <a:solidFill>
@@ -8674,8 +8674,8 @@
           <a:noFill/>
         </p:spPr>
       </p:pic>
-      <mc:AlternateContent xmlns:mc="http://schemas.openxmlformats.org/markup-compatibility/2006">
-        <mc:Choice xmlns:a14="http://schemas.microsoft.com/office/drawing/2010/main" Requires="a14">
+      <mc:AlternateContent xmlns:mc="http://schemas.openxmlformats.org/markup-compatibility/2006" xmlns:a14="http://schemas.microsoft.com/office/drawing/2010/main">
+        <mc:Choice Requires="a14">
           <p:sp>
             <p:nvSpPr>
               <p:cNvPr id="7" name="TextBox 6">
@@ -9303,16 +9303,7 @@
                               </a:solidFill>
                               <a:latin typeface="Cambria Math" panose="02040503050406030204" pitchFamily="18" charset="0"/>
                             </a:rPr>
-                            <m:t>2</m:t>
-                          </m:r>
-                          <m:r>
-                            <a:rPr lang="en-US" i="1">
-                              <a:solidFill>
-                                <a:srgbClr val="404040"/>
-                              </a:solidFill>
-                              <a:latin typeface="Cambria Math" panose="02040503050406030204" pitchFamily="18" charset="0"/>
-                            </a:rPr>
-                            <m:t>2</m:t>
+                            <m:t>22</m:t>
                           </m:r>
                         </m:sub>
                       </m:sSub>
@@ -9393,16 +9384,7 @@
                             </a:solidFill>
                             <a:latin typeface="Cambria Math" panose="02040503050406030204" pitchFamily="18" charset="0"/>
                           </a:rPr>
-                          <m:t>1</m:t>
-                        </m:r>
-                        <m:r>
-                          <a:rPr lang="en-US" i="1">
-                            <a:solidFill>
-                              <a:srgbClr val="404040"/>
-                            </a:solidFill>
-                            <a:latin typeface="Cambria Math" panose="02040503050406030204" pitchFamily="18" charset="0"/>
-                          </a:rPr>
-                          <m:t>2</m:t>
+                          <m:t>12</m:t>
                         </m:r>
                       </m:sub>
                     </m:sSub>
@@ -9546,7 +9528,7 @@
             </p:txBody>
           </p:sp>
         </mc:Choice>
-        <mc:Fallback>
+        <mc:Fallback xmlns="">
           <p:sp>
             <p:nvSpPr>
               <p:cNvPr id="7" name="TextBox 6">
@@ -22548,7 +22530,7 @@
                   <a:srgbClr val="404040"/>
                 </a:solidFill>
               </a:rPr>
-              <a:t>Estimated Probability that a Student Would This Recommend Class to an Enemy Based on a Sample</a:t>
+              <a:t>Estimated Probability that a Student Would Recommend Class to an Enemy Based on a Sample</a:t>
             </a:r>
           </a:p>
         </p:txBody>
